--- a/ppt 16-9/1094.羔羊血洗净.pptx
+++ b/ppt 16-9/1094.羔羊血洗净.pptx
@@ -5,7 +5,7 @@
     <p:sldMasterId id="2147483648" r:id="rId1"/>
   </p:sldMasterIdLst>
   <p:sldIdLst>
-    <p:sldId id="555" r:id="rId2"/>
+    <p:sldId id="557" r:id="rId2"/>
   </p:sldIdLst>
   <p:sldSz cx="12192000" cy="6858000"/>
   <p:notesSz cx="6858000" cy="9144000"/>
@@ -129,7 +129,7 @@
           <p:cNvPr id="2" name="标题 1">
             <a:extLst>
               <a:ext uri="{FF2B5EF4-FFF2-40B4-BE49-F238E27FC236}">
-                <a16:creationId xmlns:a16="http://schemas.microsoft.com/office/drawing/2014/main" id="{9556096B-BA81-C3C5-C684-D8394AD5A063}"/>
+                <a16:creationId xmlns:a16="http://schemas.microsoft.com/office/drawing/2014/main" id="{344A8B9E-7939-A3EB-8673-4AF0A61C9F71}"/>
               </a:ext>
             </a:extLst>
           </p:cNvPr>
@@ -166,7 +166,7 @@
           <p:cNvPr id="3" name="副标题 2">
             <a:extLst>
               <a:ext uri="{FF2B5EF4-FFF2-40B4-BE49-F238E27FC236}">
-                <a16:creationId xmlns:a16="http://schemas.microsoft.com/office/drawing/2014/main" id="{F0B6D365-182C-8A69-B474-7E46EEF11748}"/>
+                <a16:creationId xmlns:a16="http://schemas.microsoft.com/office/drawing/2014/main" id="{D25BB068-473E-1557-70D8-45AB621DB98A}"/>
               </a:ext>
             </a:extLst>
           </p:cNvPr>
@@ -236,7 +236,7 @@
           <p:cNvPr id="4" name="日期占位符 3">
             <a:extLst>
               <a:ext uri="{FF2B5EF4-FFF2-40B4-BE49-F238E27FC236}">
-                <a16:creationId xmlns:a16="http://schemas.microsoft.com/office/drawing/2014/main" id="{94E23359-5FCD-7BF3-AF2E-BAF454D819C3}"/>
+                <a16:creationId xmlns:a16="http://schemas.microsoft.com/office/drawing/2014/main" id="{93E42E6E-3240-93DB-A652-BEB617204468}"/>
               </a:ext>
             </a:extLst>
           </p:cNvPr>
@@ -252,7 +252,7 @@
           <a:bodyPr/>
           <a:lstStyle/>
           <a:p>
-            <a:fld id="{40B91BBD-A000-4F81-9940-4BC5931EF7C8}" type="datetimeFigureOut">
+            <a:fld id="{EE1E4BD7-2F85-40E1-A3BA-D316121F8114}" type="datetimeFigureOut">
               <a:rPr lang="zh-CN" altLang="en-US" smtClean="0"/>
               <a:t>2024/3/10</a:t>
             </a:fld>
@@ -265,7 +265,7 @@
           <p:cNvPr id="5" name="页脚占位符 4">
             <a:extLst>
               <a:ext uri="{FF2B5EF4-FFF2-40B4-BE49-F238E27FC236}">
-                <a16:creationId xmlns:a16="http://schemas.microsoft.com/office/drawing/2014/main" id="{68FBB7FB-2CAE-AAAF-B648-3FD8427E305E}"/>
+                <a16:creationId xmlns:a16="http://schemas.microsoft.com/office/drawing/2014/main" id="{F9C8FEC9-3588-1570-D4EB-8C1D47D1D4F7}"/>
               </a:ext>
             </a:extLst>
           </p:cNvPr>
@@ -290,7 +290,7 @@
           <p:cNvPr id="6" name="灯片编号占位符 5">
             <a:extLst>
               <a:ext uri="{FF2B5EF4-FFF2-40B4-BE49-F238E27FC236}">
-                <a16:creationId xmlns:a16="http://schemas.microsoft.com/office/drawing/2014/main" id="{F2E9A6AB-61A9-F9DD-0918-E222817F9506}"/>
+                <a16:creationId xmlns:a16="http://schemas.microsoft.com/office/drawing/2014/main" id="{048DC4E2-EEA5-6F50-8ED8-37CCC5EB9628}"/>
               </a:ext>
             </a:extLst>
           </p:cNvPr>
@@ -306,7 +306,7 @@
           <a:bodyPr/>
           <a:lstStyle/>
           <a:p>
-            <a:fld id="{B88D1A3E-17A4-443B-8FAD-810BBBF08632}" type="slidenum">
+            <a:fld id="{B7ED7BA9-19AB-490F-AED3-763FCDD2E4D2}" type="slidenum">
               <a:rPr lang="zh-CN" altLang="en-US" smtClean="0"/>
               <a:t>‹#›</a:t>
             </a:fld>
@@ -317,7 +317,7 @@
     </p:spTree>
     <p:extLst>
       <p:ext uri="{BB962C8B-B14F-4D97-AF65-F5344CB8AC3E}">
-        <p14:creationId xmlns:p14="http://schemas.microsoft.com/office/powerpoint/2010/main" val="4076886911"/>
+        <p14:creationId xmlns:p14="http://schemas.microsoft.com/office/powerpoint/2010/main" val="211857674"/>
       </p:ext>
     </p:extLst>
   </p:cSld>
@@ -349,7 +349,7 @@
           <p:cNvPr id="2" name="标题 1">
             <a:extLst>
               <a:ext uri="{FF2B5EF4-FFF2-40B4-BE49-F238E27FC236}">
-                <a16:creationId xmlns:a16="http://schemas.microsoft.com/office/drawing/2014/main" id="{528C4365-5CFD-94FC-3A42-9A9A6D14541A}"/>
+                <a16:creationId xmlns:a16="http://schemas.microsoft.com/office/drawing/2014/main" id="{13ACA092-73A1-C882-7315-0A72AED7483B}"/>
               </a:ext>
             </a:extLst>
           </p:cNvPr>
@@ -377,7 +377,7 @@
           <p:cNvPr id="3" name="竖排文字占位符 2">
             <a:extLst>
               <a:ext uri="{FF2B5EF4-FFF2-40B4-BE49-F238E27FC236}">
-                <a16:creationId xmlns:a16="http://schemas.microsoft.com/office/drawing/2014/main" id="{E516636B-5114-D7D4-4A4B-A50D5221820B}"/>
+                <a16:creationId xmlns:a16="http://schemas.microsoft.com/office/drawing/2014/main" id="{F1D9C19E-4FAA-7435-7EA6-5BEE4A509C5E}"/>
               </a:ext>
             </a:extLst>
           </p:cNvPr>
@@ -434,7 +434,7 @@
           <p:cNvPr id="4" name="日期占位符 3">
             <a:extLst>
               <a:ext uri="{FF2B5EF4-FFF2-40B4-BE49-F238E27FC236}">
-                <a16:creationId xmlns:a16="http://schemas.microsoft.com/office/drawing/2014/main" id="{8D563689-4BD1-9CC7-4087-89413182E540}"/>
+                <a16:creationId xmlns:a16="http://schemas.microsoft.com/office/drawing/2014/main" id="{2E410F2B-4AD2-730B-33AA-24EF8F705EA5}"/>
               </a:ext>
             </a:extLst>
           </p:cNvPr>
@@ -450,7 +450,7 @@
           <a:bodyPr/>
           <a:lstStyle/>
           <a:p>
-            <a:fld id="{40B91BBD-A000-4F81-9940-4BC5931EF7C8}" type="datetimeFigureOut">
+            <a:fld id="{EE1E4BD7-2F85-40E1-A3BA-D316121F8114}" type="datetimeFigureOut">
               <a:rPr lang="zh-CN" altLang="en-US" smtClean="0"/>
               <a:t>2024/3/10</a:t>
             </a:fld>
@@ -463,7 +463,7 @@
           <p:cNvPr id="5" name="页脚占位符 4">
             <a:extLst>
               <a:ext uri="{FF2B5EF4-FFF2-40B4-BE49-F238E27FC236}">
-                <a16:creationId xmlns:a16="http://schemas.microsoft.com/office/drawing/2014/main" id="{59B9B48D-96D9-8074-5C9D-5EA643530CD4}"/>
+                <a16:creationId xmlns:a16="http://schemas.microsoft.com/office/drawing/2014/main" id="{D33552D0-33D8-5D19-1503-1EED8AF7078C}"/>
               </a:ext>
             </a:extLst>
           </p:cNvPr>
@@ -488,7 +488,7 @@
           <p:cNvPr id="6" name="灯片编号占位符 5">
             <a:extLst>
               <a:ext uri="{FF2B5EF4-FFF2-40B4-BE49-F238E27FC236}">
-                <a16:creationId xmlns:a16="http://schemas.microsoft.com/office/drawing/2014/main" id="{73CED4B7-2F63-29F7-AF82-7EE22BDE13CD}"/>
+                <a16:creationId xmlns:a16="http://schemas.microsoft.com/office/drawing/2014/main" id="{0C0D0E36-249E-5837-A6FE-9EC6FA8DA935}"/>
               </a:ext>
             </a:extLst>
           </p:cNvPr>
@@ -504,7 +504,7 @@
           <a:bodyPr/>
           <a:lstStyle/>
           <a:p>
-            <a:fld id="{B88D1A3E-17A4-443B-8FAD-810BBBF08632}" type="slidenum">
+            <a:fld id="{B7ED7BA9-19AB-490F-AED3-763FCDD2E4D2}" type="slidenum">
               <a:rPr lang="zh-CN" altLang="en-US" smtClean="0"/>
               <a:t>‹#›</a:t>
             </a:fld>
@@ -515,7 +515,7 @@
     </p:spTree>
     <p:extLst>
       <p:ext uri="{BB962C8B-B14F-4D97-AF65-F5344CB8AC3E}">
-        <p14:creationId xmlns:p14="http://schemas.microsoft.com/office/powerpoint/2010/main" val="41886274"/>
+        <p14:creationId xmlns:p14="http://schemas.microsoft.com/office/powerpoint/2010/main" val="2734177712"/>
       </p:ext>
     </p:extLst>
   </p:cSld>
@@ -547,7 +547,7 @@
           <p:cNvPr id="2" name="竖排标题 1">
             <a:extLst>
               <a:ext uri="{FF2B5EF4-FFF2-40B4-BE49-F238E27FC236}">
-                <a16:creationId xmlns:a16="http://schemas.microsoft.com/office/drawing/2014/main" id="{718A1317-210A-9BE7-1C6F-FDFD433A471F}"/>
+                <a16:creationId xmlns:a16="http://schemas.microsoft.com/office/drawing/2014/main" id="{70356B51-6E64-7A8E-9945-92A501F95DEB}"/>
               </a:ext>
             </a:extLst>
           </p:cNvPr>
@@ -580,7 +580,7 @@
           <p:cNvPr id="3" name="竖排文字占位符 2">
             <a:extLst>
               <a:ext uri="{FF2B5EF4-FFF2-40B4-BE49-F238E27FC236}">
-                <a16:creationId xmlns:a16="http://schemas.microsoft.com/office/drawing/2014/main" id="{D6BB2A8D-908B-7CDD-1D12-020AC179B1FE}"/>
+                <a16:creationId xmlns:a16="http://schemas.microsoft.com/office/drawing/2014/main" id="{C550E6BC-35D5-0083-29C1-7031227C0BC2}"/>
               </a:ext>
             </a:extLst>
           </p:cNvPr>
@@ -642,7 +642,7 @@
           <p:cNvPr id="4" name="日期占位符 3">
             <a:extLst>
               <a:ext uri="{FF2B5EF4-FFF2-40B4-BE49-F238E27FC236}">
-                <a16:creationId xmlns:a16="http://schemas.microsoft.com/office/drawing/2014/main" id="{1E45E95A-0358-3980-EF03-A45858FA08FF}"/>
+                <a16:creationId xmlns:a16="http://schemas.microsoft.com/office/drawing/2014/main" id="{4A7628E4-D6D2-A6BF-8AEC-68F7CDD98CA4}"/>
               </a:ext>
             </a:extLst>
           </p:cNvPr>
@@ -658,7 +658,7 @@
           <a:bodyPr/>
           <a:lstStyle/>
           <a:p>
-            <a:fld id="{40B91BBD-A000-4F81-9940-4BC5931EF7C8}" type="datetimeFigureOut">
+            <a:fld id="{EE1E4BD7-2F85-40E1-A3BA-D316121F8114}" type="datetimeFigureOut">
               <a:rPr lang="zh-CN" altLang="en-US" smtClean="0"/>
               <a:t>2024/3/10</a:t>
             </a:fld>
@@ -671,7 +671,7 @@
           <p:cNvPr id="5" name="页脚占位符 4">
             <a:extLst>
               <a:ext uri="{FF2B5EF4-FFF2-40B4-BE49-F238E27FC236}">
-                <a16:creationId xmlns:a16="http://schemas.microsoft.com/office/drawing/2014/main" id="{49E957D0-2217-8AFE-6DCA-80CCDE544282}"/>
+                <a16:creationId xmlns:a16="http://schemas.microsoft.com/office/drawing/2014/main" id="{A5478D43-A3FF-14BB-FFCC-510E7DAB9656}"/>
               </a:ext>
             </a:extLst>
           </p:cNvPr>
@@ -696,7 +696,7 @@
           <p:cNvPr id="6" name="灯片编号占位符 5">
             <a:extLst>
               <a:ext uri="{FF2B5EF4-FFF2-40B4-BE49-F238E27FC236}">
-                <a16:creationId xmlns:a16="http://schemas.microsoft.com/office/drawing/2014/main" id="{10296432-B385-3AFA-A03B-8138E253AA3C}"/>
+                <a16:creationId xmlns:a16="http://schemas.microsoft.com/office/drawing/2014/main" id="{D8A8D9D4-566F-8F0C-6B80-352BD6BAF073}"/>
               </a:ext>
             </a:extLst>
           </p:cNvPr>
@@ -712,7 +712,7 @@
           <a:bodyPr/>
           <a:lstStyle/>
           <a:p>
-            <a:fld id="{B88D1A3E-17A4-443B-8FAD-810BBBF08632}" type="slidenum">
+            <a:fld id="{B7ED7BA9-19AB-490F-AED3-763FCDD2E4D2}" type="slidenum">
               <a:rPr lang="zh-CN" altLang="en-US" smtClean="0"/>
               <a:t>‹#›</a:t>
             </a:fld>
@@ -723,7 +723,7 @@
     </p:spTree>
     <p:extLst>
       <p:ext uri="{BB962C8B-B14F-4D97-AF65-F5344CB8AC3E}">
-        <p14:creationId xmlns:p14="http://schemas.microsoft.com/office/powerpoint/2010/main" val="1475082550"/>
+        <p14:creationId xmlns:p14="http://schemas.microsoft.com/office/powerpoint/2010/main" val="1282329554"/>
       </p:ext>
     </p:extLst>
   </p:cSld>
@@ -755,7 +755,7 @@
           <p:cNvPr id="2" name="标题 1">
             <a:extLst>
               <a:ext uri="{FF2B5EF4-FFF2-40B4-BE49-F238E27FC236}">
-                <a16:creationId xmlns:a16="http://schemas.microsoft.com/office/drawing/2014/main" id="{F5428A57-2DEF-00B0-589C-1FB972AC77BC}"/>
+                <a16:creationId xmlns:a16="http://schemas.microsoft.com/office/drawing/2014/main" id="{129D47A6-C47D-BFAB-7A3D-82B5FCC37D5A}"/>
               </a:ext>
             </a:extLst>
           </p:cNvPr>
@@ -783,7 +783,7 @@
           <p:cNvPr id="3" name="内容占位符 2">
             <a:extLst>
               <a:ext uri="{FF2B5EF4-FFF2-40B4-BE49-F238E27FC236}">
-                <a16:creationId xmlns:a16="http://schemas.microsoft.com/office/drawing/2014/main" id="{B7A50C2A-5121-C04B-B3D7-24A1E47BBA68}"/>
+                <a16:creationId xmlns:a16="http://schemas.microsoft.com/office/drawing/2014/main" id="{782745A2-D528-C319-6131-DBD519A6D7D5}"/>
               </a:ext>
             </a:extLst>
           </p:cNvPr>
@@ -840,7 +840,7 @@
           <p:cNvPr id="4" name="日期占位符 3">
             <a:extLst>
               <a:ext uri="{FF2B5EF4-FFF2-40B4-BE49-F238E27FC236}">
-                <a16:creationId xmlns:a16="http://schemas.microsoft.com/office/drawing/2014/main" id="{755565B6-8167-0B80-AF6D-414F50C4F90B}"/>
+                <a16:creationId xmlns:a16="http://schemas.microsoft.com/office/drawing/2014/main" id="{C8224A50-D0C9-97B1-2568-A6D22A8C6D29}"/>
               </a:ext>
             </a:extLst>
           </p:cNvPr>
@@ -856,7 +856,7 @@
           <a:bodyPr/>
           <a:lstStyle/>
           <a:p>
-            <a:fld id="{40B91BBD-A000-4F81-9940-4BC5931EF7C8}" type="datetimeFigureOut">
+            <a:fld id="{EE1E4BD7-2F85-40E1-A3BA-D316121F8114}" type="datetimeFigureOut">
               <a:rPr lang="zh-CN" altLang="en-US" smtClean="0"/>
               <a:t>2024/3/10</a:t>
             </a:fld>
@@ -869,7 +869,7 @@
           <p:cNvPr id="5" name="页脚占位符 4">
             <a:extLst>
               <a:ext uri="{FF2B5EF4-FFF2-40B4-BE49-F238E27FC236}">
-                <a16:creationId xmlns:a16="http://schemas.microsoft.com/office/drawing/2014/main" id="{6677507C-08FF-97CA-A3FA-F261DB75CB23}"/>
+                <a16:creationId xmlns:a16="http://schemas.microsoft.com/office/drawing/2014/main" id="{309D84B4-C8BB-CCB1-7399-26794E9434EF}"/>
               </a:ext>
             </a:extLst>
           </p:cNvPr>
@@ -894,7 +894,7 @@
           <p:cNvPr id="6" name="灯片编号占位符 5">
             <a:extLst>
               <a:ext uri="{FF2B5EF4-FFF2-40B4-BE49-F238E27FC236}">
-                <a16:creationId xmlns:a16="http://schemas.microsoft.com/office/drawing/2014/main" id="{00FF4C45-CD61-6932-4B24-452DC67011E8}"/>
+                <a16:creationId xmlns:a16="http://schemas.microsoft.com/office/drawing/2014/main" id="{84A44A8C-4C8B-494C-F329-04131F35429A}"/>
               </a:ext>
             </a:extLst>
           </p:cNvPr>
@@ -910,7 +910,7 @@
           <a:bodyPr/>
           <a:lstStyle/>
           <a:p>
-            <a:fld id="{B88D1A3E-17A4-443B-8FAD-810BBBF08632}" type="slidenum">
+            <a:fld id="{B7ED7BA9-19AB-490F-AED3-763FCDD2E4D2}" type="slidenum">
               <a:rPr lang="zh-CN" altLang="en-US" smtClean="0"/>
               <a:t>‹#›</a:t>
             </a:fld>
@@ -921,7 +921,7 @@
     </p:spTree>
     <p:extLst>
       <p:ext uri="{BB962C8B-B14F-4D97-AF65-F5344CB8AC3E}">
-        <p14:creationId xmlns:p14="http://schemas.microsoft.com/office/powerpoint/2010/main" val="3105720721"/>
+        <p14:creationId xmlns:p14="http://schemas.microsoft.com/office/powerpoint/2010/main" val="1567209802"/>
       </p:ext>
     </p:extLst>
   </p:cSld>
@@ -953,7 +953,7 @@
           <p:cNvPr id="2" name="标题 1">
             <a:extLst>
               <a:ext uri="{FF2B5EF4-FFF2-40B4-BE49-F238E27FC236}">
-                <a16:creationId xmlns:a16="http://schemas.microsoft.com/office/drawing/2014/main" id="{3EBB0788-013D-D3FA-2F73-868EBD0C8CA4}"/>
+                <a16:creationId xmlns:a16="http://schemas.microsoft.com/office/drawing/2014/main" id="{9D922FD8-F594-6B5E-6398-2A497D8DBA38}"/>
               </a:ext>
             </a:extLst>
           </p:cNvPr>
@@ -990,7 +990,7 @@
           <p:cNvPr id="3" name="文本占位符 2">
             <a:extLst>
               <a:ext uri="{FF2B5EF4-FFF2-40B4-BE49-F238E27FC236}">
-                <a16:creationId xmlns:a16="http://schemas.microsoft.com/office/drawing/2014/main" id="{EE36C5D6-9F0E-B764-8BA4-F60C2D48C984}"/>
+                <a16:creationId xmlns:a16="http://schemas.microsoft.com/office/drawing/2014/main" id="{073D6A51-00FF-F5A0-6CEB-5DAF4D7996C9}"/>
               </a:ext>
             </a:extLst>
           </p:cNvPr>
@@ -1115,7 +1115,7 @@
           <p:cNvPr id="4" name="日期占位符 3">
             <a:extLst>
               <a:ext uri="{FF2B5EF4-FFF2-40B4-BE49-F238E27FC236}">
-                <a16:creationId xmlns:a16="http://schemas.microsoft.com/office/drawing/2014/main" id="{8E74CB13-6E9E-BA88-86BD-56F0D835B1DF}"/>
+                <a16:creationId xmlns:a16="http://schemas.microsoft.com/office/drawing/2014/main" id="{E42E4668-3A8F-9A7C-FFE5-5A0FF5B4F226}"/>
               </a:ext>
             </a:extLst>
           </p:cNvPr>
@@ -1131,7 +1131,7 @@
           <a:bodyPr/>
           <a:lstStyle/>
           <a:p>
-            <a:fld id="{40B91BBD-A000-4F81-9940-4BC5931EF7C8}" type="datetimeFigureOut">
+            <a:fld id="{EE1E4BD7-2F85-40E1-A3BA-D316121F8114}" type="datetimeFigureOut">
               <a:rPr lang="zh-CN" altLang="en-US" smtClean="0"/>
               <a:t>2024/3/10</a:t>
             </a:fld>
@@ -1144,7 +1144,7 @@
           <p:cNvPr id="5" name="页脚占位符 4">
             <a:extLst>
               <a:ext uri="{FF2B5EF4-FFF2-40B4-BE49-F238E27FC236}">
-                <a16:creationId xmlns:a16="http://schemas.microsoft.com/office/drawing/2014/main" id="{45186D66-47D3-EF51-B564-63B55E5ECBB5}"/>
+                <a16:creationId xmlns:a16="http://schemas.microsoft.com/office/drawing/2014/main" id="{1BAA4A53-BF7C-0022-C327-80B69B8F52B0}"/>
               </a:ext>
             </a:extLst>
           </p:cNvPr>
@@ -1169,7 +1169,7 @@
           <p:cNvPr id="6" name="灯片编号占位符 5">
             <a:extLst>
               <a:ext uri="{FF2B5EF4-FFF2-40B4-BE49-F238E27FC236}">
-                <a16:creationId xmlns:a16="http://schemas.microsoft.com/office/drawing/2014/main" id="{B75F835A-AC5D-8271-09F3-2DDAC7C8863B}"/>
+                <a16:creationId xmlns:a16="http://schemas.microsoft.com/office/drawing/2014/main" id="{A29C41D6-5D81-A811-A8E5-1E8F44E2F44E}"/>
               </a:ext>
             </a:extLst>
           </p:cNvPr>
@@ -1185,7 +1185,7 @@
           <a:bodyPr/>
           <a:lstStyle/>
           <a:p>
-            <a:fld id="{B88D1A3E-17A4-443B-8FAD-810BBBF08632}" type="slidenum">
+            <a:fld id="{B7ED7BA9-19AB-490F-AED3-763FCDD2E4D2}" type="slidenum">
               <a:rPr lang="zh-CN" altLang="en-US" smtClean="0"/>
               <a:t>‹#›</a:t>
             </a:fld>
@@ -1196,7 +1196,7 @@
     </p:spTree>
     <p:extLst>
       <p:ext uri="{BB962C8B-B14F-4D97-AF65-F5344CB8AC3E}">
-        <p14:creationId xmlns:p14="http://schemas.microsoft.com/office/powerpoint/2010/main" val="1097380941"/>
+        <p14:creationId xmlns:p14="http://schemas.microsoft.com/office/powerpoint/2010/main" val="54688988"/>
       </p:ext>
     </p:extLst>
   </p:cSld>
@@ -1228,7 +1228,7 @@
           <p:cNvPr id="2" name="标题 1">
             <a:extLst>
               <a:ext uri="{FF2B5EF4-FFF2-40B4-BE49-F238E27FC236}">
-                <a16:creationId xmlns:a16="http://schemas.microsoft.com/office/drawing/2014/main" id="{D827F785-6AC0-5CE8-951A-7F90F7012DB2}"/>
+                <a16:creationId xmlns:a16="http://schemas.microsoft.com/office/drawing/2014/main" id="{FDFE8C85-B086-A8D4-61DF-B4DF5DB559D5}"/>
               </a:ext>
             </a:extLst>
           </p:cNvPr>
@@ -1256,7 +1256,7 @@
           <p:cNvPr id="3" name="内容占位符 2">
             <a:extLst>
               <a:ext uri="{FF2B5EF4-FFF2-40B4-BE49-F238E27FC236}">
-                <a16:creationId xmlns:a16="http://schemas.microsoft.com/office/drawing/2014/main" id="{EF38ED9E-C906-B234-BC55-AA9536E2441B}"/>
+                <a16:creationId xmlns:a16="http://schemas.microsoft.com/office/drawing/2014/main" id="{1A9FAF8B-7955-DF53-9F3A-6E33AB412B0B}"/>
               </a:ext>
             </a:extLst>
           </p:cNvPr>
@@ -1318,7 +1318,7 @@
           <p:cNvPr id="4" name="内容占位符 3">
             <a:extLst>
               <a:ext uri="{FF2B5EF4-FFF2-40B4-BE49-F238E27FC236}">
-                <a16:creationId xmlns:a16="http://schemas.microsoft.com/office/drawing/2014/main" id="{D1AE606C-8AE8-2929-DFFD-F07952C8B148}"/>
+                <a16:creationId xmlns:a16="http://schemas.microsoft.com/office/drawing/2014/main" id="{E62154DC-287D-BF71-ABEB-48A96ADC9FBC}"/>
               </a:ext>
             </a:extLst>
           </p:cNvPr>
@@ -1380,7 +1380,7 @@
           <p:cNvPr id="5" name="日期占位符 4">
             <a:extLst>
               <a:ext uri="{FF2B5EF4-FFF2-40B4-BE49-F238E27FC236}">
-                <a16:creationId xmlns:a16="http://schemas.microsoft.com/office/drawing/2014/main" id="{9137C398-8276-896A-26AE-816D8C832340}"/>
+                <a16:creationId xmlns:a16="http://schemas.microsoft.com/office/drawing/2014/main" id="{2B93569F-6E89-7534-773D-9C07A9450B1B}"/>
               </a:ext>
             </a:extLst>
           </p:cNvPr>
@@ -1396,7 +1396,7 @@
           <a:bodyPr/>
           <a:lstStyle/>
           <a:p>
-            <a:fld id="{40B91BBD-A000-4F81-9940-4BC5931EF7C8}" type="datetimeFigureOut">
+            <a:fld id="{EE1E4BD7-2F85-40E1-A3BA-D316121F8114}" type="datetimeFigureOut">
               <a:rPr lang="zh-CN" altLang="en-US" smtClean="0"/>
               <a:t>2024/3/10</a:t>
             </a:fld>
@@ -1409,7 +1409,7 @@
           <p:cNvPr id="6" name="页脚占位符 5">
             <a:extLst>
               <a:ext uri="{FF2B5EF4-FFF2-40B4-BE49-F238E27FC236}">
-                <a16:creationId xmlns:a16="http://schemas.microsoft.com/office/drawing/2014/main" id="{70F58710-CB9A-88A4-855E-C353D7A922E3}"/>
+                <a16:creationId xmlns:a16="http://schemas.microsoft.com/office/drawing/2014/main" id="{ACA572A4-F282-9101-DF4C-170B25DA248A}"/>
               </a:ext>
             </a:extLst>
           </p:cNvPr>
@@ -1434,7 +1434,7 @@
           <p:cNvPr id="7" name="灯片编号占位符 6">
             <a:extLst>
               <a:ext uri="{FF2B5EF4-FFF2-40B4-BE49-F238E27FC236}">
-                <a16:creationId xmlns:a16="http://schemas.microsoft.com/office/drawing/2014/main" id="{460B3534-E268-A824-9F1B-DA6361C822EF}"/>
+                <a16:creationId xmlns:a16="http://schemas.microsoft.com/office/drawing/2014/main" id="{073CA303-1F28-3E61-7489-6D60316ECCA7}"/>
               </a:ext>
             </a:extLst>
           </p:cNvPr>
@@ -1450,7 +1450,7 @@
           <a:bodyPr/>
           <a:lstStyle/>
           <a:p>
-            <a:fld id="{B88D1A3E-17A4-443B-8FAD-810BBBF08632}" type="slidenum">
+            <a:fld id="{B7ED7BA9-19AB-490F-AED3-763FCDD2E4D2}" type="slidenum">
               <a:rPr lang="zh-CN" altLang="en-US" smtClean="0"/>
               <a:t>‹#›</a:t>
             </a:fld>
@@ -1461,7 +1461,7 @@
     </p:spTree>
     <p:extLst>
       <p:ext uri="{BB962C8B-B14F-4D97-AF65-F5344CB8AC3E}">
-        <p14:creationId xmlns:p14="http://schemas.microsoft.com/office/powerpoint/2010/main" val="3404482418"/>
+        <p14:creationId xmlns:p14="http://schemas.microsoft.com/office/powerpoint/2010/main" val="4206908476"/>
       </p:ext>
     </p:extLst>
   </p:cSld>
@@ -1493,7 +1493,7 @@
           <p:cNvPr id="2" name="标题 1">
             <a:extLst>
               <a:ext uri="{FF2B5EF4-FFF2-40B4-BE49-F238E27FC236}">
-                <a16:creationId xmlns:a16="http://schemas.microsoft.com/office/drawing/2014/main" id="{0EA0554C-8722-6925-E147-1E3A4EF87CBF}"/>
+                <a16:creationId xmlns:a16="http://schemas.microsoft.com/office/drawing/2014/main" id="{E99B5721-62BC-5F37-BC1D-8B5CB19B06EE}"/>
               </a:ext>
             </a:extLst>
           </p:cNvPr>
@@ -1526,7 +1526,7 @@
           <p:cNvPr id="3" name="文本占位符 2">
             <a:extLst>
               <a:ext uri="{FF2B5EF4-FFF2-40B4-BE49-F238E27FC236}">
-                <a16:creationId xmlns:a16="http://schemas.microsoft.com/office/drawing/2014/main" id="{7C99652A-7760-4E17-AC4A-437493E67113}"/>
+                <a16:creationId xmlns:a16="http://schemas.microsoft.com/office/drawing/2014/main" id="{1AF2242D-4B08-5133-A1F3-400E1E329586}"/>
               </a:ext>
             </a:extLst>
           </p:cNvPr>
@@ -1597,7 +1597,7 @@
           <p:cNvPr id="4" name="内容占位符 3">
             <a:extLst>
               <a:ext uri="{FF2B5EF4-FFF2-40B4-BE49-F238E27FC236}">
-                <a16:creationId xmlns:a16="http://schemas.microsoft.com/office/drawing/2014/main" id="{8DC23151-B137-2C1A-D0FC-0578D713CA55}"/>
+                <a16:creationId xmlns:a16="http://schemas.microsoft.com/office/drawing/2014/main" id="{C9AC8084-B4AB-7EEF-9D76-266ECB2EDFA3}"/>
               </a:ext>
             </a:extLst>
           </p:cNvPr>
@@ -1659,7 +1659,7 @@
           <p:cNvPr id="5" name="文本占位符 4">
             <a:extLst>
               <a:ext uri="{FF2B5EF4-FFF2-40B4-BE49-F238E27FC236}">
-                <a16:creationId xmlns:a16="http://schemas.microsoft.com/office/drawing/2014/main" id="{F00F5210-6A6E-7EB7-DED4-D711D7FC1861}"/>
+                <a16:creationId xmlns:a16="http://schemas.microsoft.com/office/drawing/2014/main" id="{CDFEF066-101D-6BFE-54F8-93C0256CE489}"/>
               </a:ext>
             </a:extLst>
           </p:cNvPr>
@@ -1730,7 +1730,7 @@
           <p:cNvPr id="6" name="内容占位符 5">
             <a:extLst>
               <a:ext uri="{FF2B5EF4-FFF2-40B4-BE49-F238E27FC236}">
-                <a16:creationId xmlns:a16="http://schemas.microsoft.com/office/drawing/2014/main" id="{FCCCE315-982F-6262-1456-92D8A93B317F}"/>
+                <a16:creationId xmlns:a16="http://schemas.microsoft.com/office/drawing/2014/main" id="{9930B51E-02EB-9202-90D0-82334AB6F22A}"/>
               </a:ext>
             </a:extLst>
           </p:cNvPr>
@@ -1792,7 +1792,7 @@
           <p:cNvPr id="7" name="日期占位符 6">
             <a:extLst>
               <a:ext uri="{FF2B5EF4-FFF2-40B4-BE49-F238E27FC236}">
-                <a16:creationId xmlns:a16="http://schemas.microsoft.com/office/drawing/2014/main" id="{2F76D0EA-57E7-CE9E-C541-639D5B5A8CBB}"/>
+                <a16:creationId xmlns:a16="http://schemas.microsoft.com/office/drawing/2014/main" id="{B0E9C734-3E42-F61B-D672-7C304A10CCB4}"/>
               </a:ext>
             </a:extLst>
           </p:cNvPr>
@@ -1808,7 +1808,7 @@
           <a:bodyPr/>
           <a:lstStyle/>
           <a:p>
-            <a:fld id="{40B91BBD-A000-4F81-9940-4BC5931EF7C8}" type="datetimeFigureOut">
+            <a:fld id="{EE1E4BD7-2F85-40E1-A3BA-D316121F8114}" type="datetimeFigureOut">
               <a:rPr lang="zh-CN" altLang="en-US" smtClean="0"/>
               <a:t>2024/3/10</a:t>
             </a:fld>
@@ -1821,7 +1821,7 @@
           <p:cNvPr id="8" name="页脚占位符 7">
             <a:extLst>
               <a:ext uri="{FF2B5EF4-FFF2-40B4-BE49-F238E27FC236}">
-                <a16:creationId xmlns:a16="http://schemas.microsoft.com/office/drawing/2014/main" id="{F0879B65-9302-BFB1-4A3A-DD80C3C644CA}"/>
+                <a16:creationId xmlns:a16="http://schemas.microsoft.com/office/drawing/2014/main" id="{62280F34-329E-8549-E8D7-216423C1BBA0}"/>
               </a:ext>
             </a:extLst>
           </p:cNvPr>
@@ -1846,7 +1846,7 @@
           <p:cNvPr id="9" name="灯片编号占位符 8">
             <a:extLst>
               <a:ext uri="{FF2B5EF4-FFF2-40B4-BE49-F238E27FC236}">
-                <a16:creationId xmlns:a16="http://schemas.microsoft.com/office/drawing/2014/main" id="{81EFB00F-01D3-EF26-F477-0F82C9D808DE}"/>
+                <a16:creationId xmlns:a16="http://schemas.microsoft.com/office/drawing/2014/main" id="{AE99F658-E127-AA46-2DAE-64B118654A31}"/>
               </a:ext>
             </a:extLst>
           </p:cNvPr>
@@ -1862,7 +1862,7 @@
           <a:bodyPr/>
           <a:lstStyle/>
           <a:p>
-            <a:fld id="{B88D1A3E-17A4-443B-8FAD-810BBBF08632}" type="slidenum">
+            <a:fld id="{B7ED7BA9-19AB-490F-AED3-763FCDD2E4D2}" type="slidenum">
               <a:rPr lang="zh-CN" altLang="en-US" smtClean="0"/>
               <a:t>‹#›</a:t>
             </a:fld>
@@ -1873,7 +1873,7 @@
     </p:spTree>
     <p:extLst>
       <p:ext uri="{BB962C8B-B14F-4D97-AF65-F5344CB8AC3E}">
-        <p14:creationId xmlns:p14="http://schemas.microsoft.com/office/powerpoint/2010/main" val="1441359373"/>
+        <p14:creationId xmlns:p14="http://schemas.microsoft.com/office/powerpoint/2010/main" val="1439899886"/>
       </p:ext>
     </p:extLst>
   </p:cSld>
@@ -1905,7 +1905,7 @@
           <p:cNvPr id="2" name="标题 1">
             <a:extLst>
               <a:ext uri="{FF2B5EF4-FFF2-40B4-BE49-F238E27FC236}">
-                <a16:creationId xmlns:a16="http://schemas.microsoft.com/office/drawing/2014/main" id="{E7E63D04-0D94-8558-4259-B4567F2C26BC}"/>
+                <a16:creationId xmlns:a16="http://schemas.microsoft.com/office/drawing/2014/main" id="{EC30B03E-8FF0-7277-BED9-FC0F25D43F35}"/>
               </a:ext>
             </a:extLst>
           </p:cNvPr>
@@ -1933,7 +1933,7 @@
           <p:cNvPr id="3" name="日期占位符 2">
             <a:extLst>
               <a:ext uri="{FF2B5EF4-FFF2-40B4-BE49-F238E27FC236}">
-                <a16:creationId xmlns:a16="http://schemas.microsoft.com/office/drawing/2014/main" id="{E3DCFC24-856A-8532-8504-6BC25FB033D7}"/>
+                <a16:creationId xmlns:a16="http://schemas.microsoft.com/office/drawing/2014/main" id="{8A8DD1B4-EAA0-82CE-B1FC-BEA481AC918B}"/>
               </a:ext>
             </a:extLst>
           </p:cNvPr>
@@ -1949,7 +1949,7 @@
           <a:bodyPr/>
           <a:lstStyle/>
           <a:p>
-            <a:fld id="{40B91BBD-A000-4F81-9940-4BC5931EF7C8}" type="datetimeFigureOut">
+            <a:fld id="{EE1E4BD7-2F85-40E1-A3BA-D316121F8114}" type="datetimeFigureOut">
               <a:rPr lang="zh-CN" altLang="en-US" smtClean="0"/>
               <a:t>2024/3/10</a:t>
             </a:fld>
@@ -1962,7 +1962,7 @@
           <p:cNvPr id="4" name="页脚占位符 3">
             <a:extLst>
               <a:ext uri="{FF2B5EF4-FFF2-40B4-BE49-F238E27FC236}">
-                <a16:creationId xmlns:a16="http://schemas.microsoft.com/office/drawing/2014/main" id="{CB27A0BB-0877-E95E-CDBC-C8A4DBBB0D7D}"/>
+                <a16:creationId xmlns:a16="http://schemas.microsoft.com/office/drawing/2014/main" id="{357DC7F1-EC88-8479-5254-8AC9E55D00AE}"/>
               </a:ext>
             </a:extLst>
           </p:cNvPr>
@@ -1987,7 +1987,7 @@
           <p:cNvPr id="5" name="灯片编号占位符 4">
             <a:extLst>
               <a:ext uri="{FF2B5EF4-FFF2-40B4-BE49-F238E27FC236}">
-                <a16:creationId xmlns:a16="http://schemas.microsoft.com/office/drawing/2014/main" id="{D22A1752-06E1-598F-C266-678A938D0164}"/>
+                <a16:creationId xmlns:a16="http://schemas.microsoft.com/office/drawing/2014/main" id="{DB2BE6A7-578E-EC10-69D3-0B7E18743961}"/>
               </a:ext>
             </a:extLst>
           </p:cNvPr>
@@ -2003,7 +2003,7 @@
           <a:bodyPr/>
           <a:lstStyle/>
           <a:p>
-            <a:fld id="{B88D1A3E-17A4-443B-8FAD-810BBBF08632}" type="slidenum">
+            <a:fld id="{B7ED7BA9-19AB-490F-AED3-763FCDD2E4D2}" type="slidenum">
               <a:rPr lang="zh-CN" altLang="en-US" smtClean="0"/>
               <a:t>‹#›</a:t>
             </a:fld>
@@ -2014,7 +2014,7 @@
     </p:spTree>
     <p:extLst>
       <p:ext uri="{BB962C8B-B14F-4D97-AF65-F5344CB8AC3E}">
-        <p14:creationId xmlns:p14="http://schemas.microsoft.com/office/powerpoint/2010/main" val="3354072832"/>
+        <p14:creationId xmlns:p14="http://schemas.microsoft.com/office/powerpoint/2010/main" val="1996519593"/>
       </p:ext>
     </p:extLst>
   </p:cSld>
@@ -2046,7 +2046,7 @@
           <p:cNvPr id="2" name="日期占位符 1">
             <a:extLst>
               <a:ext uri="{FF2B5EF4-FFF2-40B4-BE49-F238E27FC236}">
-                <a16:creationId xmlns:a16="http://schemas.microsoft.com/office/drawing/2014/main" id="{162B1E34-D236-E95C-39E7-A76680B68111}"/>
+                <a16:creationId xmlns:a16="http://schemas.microsoft.com/office/drawing/2014/main" id="{754F2669-104C-324E-E4E9-3C85A1C48902}"/>
               </a:ext>
             </a:extLst>
           </p:cNvPr>
@@ -2062,7 +2062,7 @@
           <a:bodyPr/>
           <a:lstStyle/>
           <a:p>
-            <a:fld id="{40B91BBD-A000-4F81-9940-4BC5931EF7C8}" type="datetimeFigureOut">
+            <a:fld id="{EE1E4BD7-2F85-40E1-A3BA-D316121F8114}" type="datetimeFigureOut">
               <a:rPr lang="zh-CN" altLang="en-US" smtClean="0"/>
               <a:t>2024/3/10</a:t>
             </a:fld>
@@ -2075,7 +2075,7 @@
           <p:cNvPr id="3" name="页脚占位符 2">
             <a:extLst>
               <a:ext uri="{FF2B5EF4-FFF2-40B4-BE49-F238E27FC236}">
-                <a16:creationId xmlns:a16="http://schemas.microsoft.com/office/drawing/2014/main" id="{0AEA534A-7AD7-F9AD-55BB-1C5FC356BC62}"/>
+                <a16:creationId xmlns:a16="http://schemas.microsoft.com/office/drawing/2014/main" id="{EC359220-9B01-66E7-B751-AA51C8BADA4B}"/>
               </a:ext>
             </a:extLst>
           </p:cNvPr>
@@ -2100,7 +2100,7 @@
           <p:cNvPr id="4" name="灯片编号占位符 3">
             <a:extLst>
               <a:ext uri="{FF2B5EF4-FFF2-40B4-BE49-F238E27FC236}">
-                <a16:creationId xmlns:a16="http://schemas.microsoft.com/office/drawing/2014/main" id="{180BBEE9-41F8-0526-FC4A-EAEF1654AAAB}"/>
+                <a16:creationId xmlns:a16="http://schemas.microsoft.com/office/drawing/2014/main" id="{D8AA32EA-6FAC-E6FD-A89C-DCFAB1B9E20C}"/>
               </a:ext>
             </a:extLst>
           </p:cNvPr>
@@ -2116,7 +2116,7 @@
           <a:bodyPr/>
           <a:lstStyle/>
           <a:p>
-            <a:fld id="{B88D1A3E-17A4-443B-8FAD-810BBBF08632}" type="slidenum">
+            <a:fld id="{B7ED7BA9-19AB-490F-AED3-763FCDD2E4D2}" type="slidenum">
               <a:rPr lang="zh-CN" altLang="en-US" smtClean="0"/>
               <a:t>‹#›</a:t>
             </a:fld>
@@ -2127,7 +2127,7 @@
     </p:spTree>
     <p:extLst>
       <p:ext uri="{BB962C8B-B14F-4D97-AF65-F5344CB8AC3E}">
-        <p14:creationId xmlns:p14="http://schemas.microsoft.com/office/powerpoint/2010/main" val="3779558139"/>
+        <p14:creationId xmlns:p14="http://schemas.microsoft.com/office/powerpoint/2010/main" val="449013971"/>
       </p:ext>
     </p:extLst>
   </p:cSld>
@@ -2159,7 +2159,7 @@
           <p:cNvPr id="2" name="标题 1">
             <a:extLst>
               <a:ext uri="{FF2B5EF4-FFF2-40B4-BE49-F238E27FC236}">
-                <a16:creationId xmlns:a16="http://schemas.microsoft.com/office/drawing/2014/main" id="{F9861758-9232-1B72-2529-C00C01BB6C48}"/>
+                <a16:creationId xmlns:a16="http://schemas.microsoft.com/office/drawing/2014/main" id="{5817A493-3980-EFFE-9D24-FA085F691824}"/>
               </a:ext>
             </a:extLst>
           </p:cNvPr>
@@ -2196,7 +2196,7 @@
           <p:cNvPr id="3" name="内容占位符 2">
             <a:extLst>
               <a:ext uri="{FF2B5EF4-FFF2-40B4-BE49-F238E27FC236}">
-                <a16:creationId xmlns:a16="http://schemas.microsoft.com/office/drawing/2014/main" id="{FB0C7D77-8979-4DC2-F23E-069ABEC65DFC}"/>
+                <a16:creationId xmlns:a16="http://schemas.microsoft.com/office/drawing/2014/main" id="{CD05B016-23BD-F251-1698-004412F146AA}"/>
               </a:ext>
             </a:extLst>
           </p:cNvPr>
@@ -2286,7 +2286,7 @@
           <p:cNvPr id="4" name="文本占位符 3">
             <a:extLst>
               <a:ext uri="{FF2B5EF4-FFF2-40B4-BE49-F238E27FC236}">
-                <a16:creationId xmlns:a16="http://schemas.microsoft.com/office/drawing/2014/main" id="{94DFA2E4-80A5-1577-5F4E-B363925AAE3D}"/>
+                <a16:creationId xmlns:a16="http://schemas.microsoft.com/office/drawing/2014/main" id="{041583F1-CFAE-A187-955A-EDE84D9CEEE4}"/>
               </a:ext>
             </a:extLst>
           </p:cNvPr>
@@ -2357,7 +2357,7 @@
           <p:cNvPr id="5" name="日期占位符 4">
             <a:extLst>
               <a:ext uri="{FF2B5EF4-FFF2-40B4-BE49-F238E27FC236}">
-                <a16:creationId xmlns:a16="http://schemas.microsoft.com/office/drawing/2014/main" id="{2FD2A7B1-732C-AB29-2D72-5F89F6A3A33E}"/>
+                <a16:creationId xmlns:a16="http://schemas.microsoft.com/office/drawing/2014/main" id="{77F712BC-DCF6-BDAF-87B8-A42BC21BD8C5}"/>
               </a:ext>
             </a:extLst>
           </p:cNvPr>
@@ -2373,7 +2373,7 @@
           <a:bodyPr/>
           <a:lstStyle/>
           <a:p>
-            <a:fld id="{40B91BBD-A000-4F81-9940-4BC5931EF7C8}" type="datetimeFigureOut">
+            <a:fld id="{EE1E4BD7-2F85-40E1-A3BA-D316121F8114}" type="datetimeFigureOut">
               <a:rPr lang="zh-CN" altLang="en-US" smtClean="0"/>
               <a:t>2024/3/10</a:t>
             </a:fld>
@@ -2386,7 +2386,7 @@
           <p:cNvPr id="6" name="页脚占位符 5">
             <a:extLst>
               <a:ext uri="{FF2B5EF4-FFF2-40B4-BE49-F238E27FC236}">
-                <a16:creationId xmlns:a16="http://schemas.microsoft.com/office/drawing/2014/main" id="{CFB32002-5F6D-B836-BFDC-E847B21E1FD5}"/>
+                <a16:creationId xmlns:a16="http://schemas.microsoft.com/office/drawing/2014/main" id="{014490D1-944A-5EFC-14E6-D0F4A6929F91}"/>
               </a:ext>
             </a:extLst>
           </p:cNvPr>
@@ -2411,7 +2411,7 @@
           <p:cNvPr id="7" name="灯片编号占位符 6">
             <a:extLst>
               <a:ext uri="{FF2B5EF4-FFF2-40B4-BE49-F238E27FC236}">
-                <a16:creationId xmlns:a16="http://schemas.microsoft.com/office/drawing/2014/main" id="{215BFBCB-8A30-568C-8C94-A0B7B4C1AAC2}"/>
+                <a16:creationId xmlns:a16="http://schemas.microsoft.com/office/drawing/2014/main" id="{4DA315A3-ABFD-533F-F024-AAA69076071F}"/>
               </a:ext>
             </a:extLst>
           </p:cNvPr>
@@ -2427,7 +2427,7 @@
           <a:bodyPr/>
           <a:lstStyle/>
           <a:p>
-            <a:fld id="{B88D1A3E-17A4-443B-8FAD-810BBBF08632}" type="slidenum">
+            <a:fld id="{B7ED7BA9-19AB-490F-AED3-763FCDD2E4D2}" type="slidenum">
               <a:rPr lang="zh-CN" altLang="en-US" smtClean="0"/>
               <a:t>‹#›</a:t>
             </a:fld>
@@ -2438,7 +2438,7 @@
     </p:spTree>
     <p:extLst>
       <p:ext uri="{BB962C8B-B14F-4D97-AF65-F5344CB8AC3E}">
-        <p14:creationId xmlns:p14="http://schemas.microsoft.com/office/powerpoint/2010/main" val="2236331177"/>
+        <p14:creationId xmlns:p14="http://schemas.microsoft.com/office/powerpoint/2010/main" val="310905014"/>
       </p:ext>
     </p:extLst>
   </p:cSld>
@@ -2470,7 +2470,7 @@
           <p:cNvPr id="2" name="标题 1">
             <a:extLst>
               <a:ext uri="{FF2B5EF4-FFF2-40B4-BE49-F238E27FC236}">
-                <a16:creationId xmlns:a16="http://schemas.microsoft.com/office/drawing/2014/main" id="{3C09700F-BB18-D180-44DB-8CBF909347A2}"/>
+                <a16:creationId xmlns:a16="http://schemas.microsoft.com/office/drawing/2014/main" id="{EA206B26-E77C-E3C5-F51A-24E8EDF6A517}"/>
               </a:ext>
             </a:extLst>
           </p:cNvPr>
@@ -2507,7 +2507,7 @@
           <p:cNvPr id="3" name="图片占位符 2">
             <a:extLst>
               <a:ext uri="{FF2B5EF4-FFF2-40B4-BE49-F238E27FC236}">
-                <a16:creationId xmlns:a16="http://schemas.microsoft.com/office/drawing/2014/main" id="{7FDCBDC8-13F6-0695-4B7C-5BA7AC1AC476}"/>
+                <a16:creationId xmlns:a16="http://schemas.microsoft.com/office/drawing/2014/main" id="{520A6B8A-8EA1-4D98-9824-E5A5BAAB6C50}"/>
               </a:ext>
             </a:extLst>
           </p:cNvPr>
@@ -2574,7 +2574,7 @@
           <p:cNvPr id="4" name="文本占位符 3">
             <a:extLst>
               <a:ext uri="{FF2B5EF4-FFF2-40B4-BE49-F238E27FC236}">
-                <a16:creationId xmlns:a16="http://schemas.microsoft.com/office/drawing/2014/main" id="{4E115AB0-6930-5A77-3C6A-1EF28FC36006}"/>
+                <a16:creationId xmlns:a16="http://schemas.microsoft.com/office/drawing/2014/main" id="{0F3E3FFE-B661-7759-6A48-6DC7DC53B1B3}"/>
               </a:ext>
             </a:extLst>
           </p:cNvPr>
@@ -2645,7 +2645,7 @@
           <p:cNvPr id="5" name="日期占位符 4">
             <a:extLst>
               <a:ext uri="{FF2B5EF4-FFF2-40B4-BE49-F238E27FC236}">
-                <a16:creationId xmlns:a16="http://schemas.microsoft.com/office/drawing/2014/main" id="{1C763F39-20F1-289A-0304-DC114647358A}"/>
+                <a16:creationId xmlns:a16="http://schemas.microsoft.com/office/drawing/2014/main" id="{C0C8170B-C16D-AB4E-CBA2-838C78F2C30C}"/>
               </a:ext>
             </a:extLst>
           </p:cNvPr>
@@ -2661,7 +2661,7 @@
           <a:bodyPr/>
           <a:lstStyle/>
           <a:p>
-            <a:fld id="{40B91BBD-A000-4F81-9940-4BC5931EF7C8}" type="datetimeFigureOut">
+            <a:fld id="{EE1E4BD7-2F85-40E1-A3BA-D316121F8114}" type="datetimeFigureOut">
               <a:rPr lang="zh-CN" altLang="en-US" smtClean="0"/>
               <a:t>2024/3/10</a:t>
             </a:fld>
@@ -2674,7 +2674,7 @@
           <p:cNvPr id="6" name="页脚占位符 5">
             <a:extLst>
               <a:ext uri="{FF2B5EF4-FFF2-40B4-BE49-F238E27FC236}">
-                <a16:creationId xmlns:a16="http://schemas.microsoft.com/office/drawing/2014/main" id="{C97D0620-C7DA-A285-EAD9-C116855AACE6}"/>
+                <a16:creationId xmlns:a16="http://schemas.microsoft.com/office/drawing/2014/main" id="{B0E59F0D-1532-55B0-BC90-436203687963}"/>
               </a:ext>
             </a:extLst>
           </p:cNvPr>
@@ -2699,7 +2699,7 @@
           <p:cNvPr id="7" name="灯片编号占位符 6">
             <a:extLst>
               <a:ext uri="{FF2B5EF4-FFF2-40B4-BE49-F238E27FC236}">
-                <a16:creationId xmlns:a16="http://schemas.microsoft.com/office/drawing/2014/main" id="{E11EC32A-2DCC-FB0B-6225-09E23CB8EC90}"/>
+                <a16:creationId xmlns:a16="http://schemas.microsoft.com/office/drawing/2014/main" id="{B0FA1DD1-0F09-4D66-411C-908E65F4CF7F}"/>
               </a:ext>
             </a:extLst>
           </p:cNvPr>
@@ -2715,7 +2715,7 @@
           <a:bodyPr/>
           <a:lstStyle/>
           <a:p>
-            <a:fld id="{B88D1A3E-17A4-443B-8FAD-810BBBF08632}" type="slidenum">
+            <a:fld id="{B7ED7BA9-19AB-490F-AED3-763FCDD2E4D2}" type="slidenum">
               <a:rPr lang="zh-CN" altLang="en-US" smtClean="0"/>
               <a:t>‹#›</a:t>
             </a:fld>
@@ -2726,7 +2726,7 @@
     </p:spTree>
     <p:extLst>
       <p:ext uri="{BB962C8B-B14F-4D97-AF65-F5344CB8AC3E}">
-        <p14:creationId xmlns:p14="http://schemas.microsoft.com/office/powerpoint/2010/main" val="2729624819"/>
+        <p14:creationId xmlns:p14="http://schemas.microsoft.com/office/powerpoint/2010/main" val="1554205863"/>
       </p:ext>
     </p:extLst>
   </p:cSld>
@@ -2763,7 +2763,7 @@
           <p:cNvPr id="2" name="标题占位符 1">
             <a:extLst>
               <a:ext uri="{FF2B5EF4-FFF2-40B4-BE49-F238E27FC236}">
-                <a16:creationId xmlns:a16="http://schemas.microsoft.com/office/drawing/2014/main" id="{79D62CA0-46C5-EDAD-54A8-2AE1614AB266}"/>
+                <a16:creationId xmlns:a16="http://schemas.microsoft.com/office/drawing/2014/main" id="{8FB0799C-2AA1-1136-895A-772DD498ACE8}"/>
               </a:ext>
             </a:extLst>
           </p:cNvPr>
@@ -2801,7 +2801,7 @@
           <p:cNvPr id="3" name="文本占位符 2">
             <a:extLst>
               <a:ext uri="{FF2B5EF4-FFF2-40B4-BE49-F238E27FC236}">
-                <a16:creationId xmlns:a16="http://schemas.microsoft.com/office/drawing/2014/main" id="{3AB24B7E-BD8D-60F9-8049-5C95D4128F75}"/>
+                <a16:creationId xmlns:a16="http://schemas.microsoft.com/office/drawing/2014/main" id="{DE7CBD13-5153-226D-CA0D-52A65EF127DE}"/>
               </a:ext>
             </a:extLst>
           </p:cNvPr>
@@ -2868,7 +2868,7 @@
           <p:cNvPr id="4" name="日期占位符 3">
             <a:extLst>
               <a:ext uri="{FF2B5EF4-FFF2-40B4-BE49-F238E27FC236}">
-                <a16:creationId xmlns:a16="http://schemas.microsoft.com/office/drawing/2014/main" id="{4BAE9A9D-A3AD-D301-5930-D86C8F454E93}"/>
+                <a16:creationId xmlns:a16="http://schemas.microsoft.com/office/drawing/2014/main" id="{89EDD441-615A-E800-5C1E-163422B57B06}"/>
               </a:ext>
             </a:extLst>
           </p:cNvPr>
@@ -2902,7 +2902,7 @@
             </a:lvl1pPr>
           </a:lstStyle>
           <a:p>
-            <a:fld id="{40B91BBD-A000-4F81-9940-4BC5931EF7C8}" type="datetimeFigureOut">
+            <a:fld id="{EE1E4BD7-2F85-40E1-A3BA-D316121F8114}" type="datetimeFigureOut">
               <a:rPr lang="zh-CN" altLang="en-US" smtClean="0"/>
               <a:t>2024/3/10</a:t>
             </a:fld>
@@ -2915,7 +2915,7 @@
           <p:cNvPr id="5" name="页脚占位符 4">
             <a:extLst>
               <a:ext uri="{FF2B5EF4-FFF2-40B4-BE49-F238E27FC236}">
-                <a16:creationId xmlns:a16="http://schemas.microsoft.com/office/drawing/2014/main" id="{A7F31480-6C65-F3A1-B0F9-430A78664F87}"/>
+                <a16:creationId xmlns:a16="http://schemas.microsoft.com/office/drawing/2014/main" id="{B84BC848-6665-936A-A2F4-9EFCA77FED89}"/>
               </a:ext>
             </a:extLst>
           </p:cNvPr>
@@ -2958,7 +2958,7 @@
           <p:cNvPr id="6" name="灯片编号占位符 5">
             <a:extLst>
               <a:ext uri="{FF2B5EF4-FFF2-40B4-BE49-F238E27FC236}">
-                <a16:creationId xmlns:a16="http://schemas.microsoft.com/office/drawing/2014/main" id="{FB8EA2AE-5E2B-D687-CD05-1E40AE034E3D}"/>
+                <a16:creationId xmlns:a16="http://schemas.microsoft.com/office/drawing/2014/main" id="{C1AA6938-0721-8B52-3B28-A0F1B5F2D610}"/>
               </a:ext>
             </a:extLst>
           </p:cNvPr>
@@ -2992,7 +2992,7 @@
             </a:lvl1pPr>
           </a:lstStyle>
           <a:p>
-            <a:fld id="{B88D1A3E-17A4-443B-8FAD-810BBBF08632}" type="slidenum">
+            <a:fld id="{B7ED7BA9-19AB-490F-AED3-763FCDD2E4D2}" type="slidenum">
               <a:rPr lang="zh-CN" altLang="en-US" smtClean="0"/>
               <a:t>‹#›</a:t>
             </a:fld>
@@ -3003,7 +3003,7 @@
     </p:spTree>
     <p:extLst>
       <p:ext uri="{BB962C8B-B14F-4D97-AF65-F5344CB8AC3E}">
-        <p14:creationId xmlns:p14="http://schemas.microsoft.com/office/powerpoint/2010/main" val="4181736910"/>
+        <p14:creationId xmlns:p14="http://schemas.microsoft.com/office/powerpoint/2010/main" val="316943589"/>
       </p:ext>
     </p:extLst>
   </p:cSld>
@@ -3323,7 +3323,7 @@
       </p:grpSpPr>
       <p:pic>
         <p:nvPicPr>
-          <p:cNvPr id="1120258" name="Picture 2" descr="1093"/>
+          <p:cNvPr id="1121282" name="Picture 2" descr="1094"/>
           <p:cNvPicPr>
             <a:picLocks noChangeAspect="1" noChangeArrowheads="1"/>
           </p:cNvPicPr>
@@ -3344,8 +3344,8 @@
         </p:blipFill>
         <p:spPr bwMode="auto">
           <a:xfrm>
-            <a:off x="1524001" y="0"/>
-            <a:ext cx="9053513" cy="6789738"/>
+            <a:off x="1524000" y="0"/>
+            <a:ext cx="9144000" cy="6858000"/>
           </a:xfrm>
           <a:prstGeom prst="rect">
             <a:avLst/>
@@ -3377,7 +3377,7 @@
       </p:pic>
       <p:pic>
         <p:nvPicPr>
-          <p:cNvPr id="1121283" name="Picture 3" descr="1093-2"/>
+          <p:cNvPr id="1122307" name="Picture 3" descr="1094-2"/>
           <p:cNvPicPr>
             <a:picLocks noChangeAspect="1" noChangeArrowheads="1"/>
           </p:cNvPicPr>
@@ -3478,7 +3478,7 @@
                                           </p:stCondLst>
                                         </p:cTn>
                                         <p:tgtEl>
-                                          <p:spTgt spid="1121283"/>
+                                          <p:spTgt spid="1122307"/>
                                         </p:tgtEl>
                                         <p:attrNameLst>
                                           <p:attrName>style.visibility</p:attrName>
@@ -3492,7 +3492,7 @@
                                       <p:cBhvr>
                                         <p:cTn id="7" dur="500"/>
                                         <p:tgtEl>
-                                          <p:spTgt spid="1121283"/>
+                                          <p:spTgt spid="1122307"/>
                                         </p:tgtEl>
                                       </p:cBhvr>
                                     </p:animEffect>
